--- a/Adventure Time.pptx
+++ b/Adventure Time.pptx
@@ -5,11 +5,11 @@
     <p:sldMasterId id="2147483648" r:id="rId1"/>
   </p:sldMasterIdLst>
   <p:sldIdLst>
-    <p:sldId id="256" r:id="rId3"/>
-    <p:sldId id="257" r:id="rId4"/>
-    <p:sldId id="258" r:id="rId5"/>
-    <p:sldId id="259" r:id="rId6"/>
-    <p:sldId id="260" r:id="rId7"/>
+    <p:sldId id="256" r:id="rId2"/>
+    <p:sldId id="257" r:id="rId3"/>
+    <p:sldId id="258" r:id="rId4"/>
+    <p:sldId id="259" r:id="rId5"/>
+    <p:sldId id="260" r:id="rId6"/>
   </p:sldIdLst>
   <p:sldSz cx="12192000" cy="6858000"/>
   <p:notesSz cx="6858000" cy="9144000"/>
@@ -242,6 +242,8 @@
           <a:p>
             <a:fld id="{63A1C593-65D0-4073-BCC9-577B9352EA97}" type="datetimeFigureOut">
               <a:rPr lang="en-US" smtClean="0"/>
+              <a:pPr/>
+              <a:t>1/30/2022</a:t>
             </a:fld>
             <a:endParaRPr lang="en-US"/>
           </a:p>
@@ -283,6 +285,8 @@
           <a:p>
             <a:fld id="{9B618960-8005-486C-9A75-10CB2AAC16F9}" type="slidenum">
               <a:rPr lang="en-US" smtClean="0"/>
+              <a:pPr/>
+              <a:t>‹#›</a:t>
             </a:fld>
             <a:endParaRPr lang="en-US"/>
           </a:p>
@@ -356,7 +360,6 @@
               <a:rPr lang="en-US" smtClean="0"/>
               <a:t>Click to edit Master text styles</a:t>
             </a:r>
-            <a:endParaRPr lang="en-US" smtClean="0"/>
           </a:p>
           <a:p>
             <a:pPr lvl="1"/>
@@ -364,7 +367,6 @@
               <a:rPr lang="en-US" smtClean="0"/>
               <a:t>Second level</a:t>
             </a:r>
-            <a:endParaRPr lang="en-US" smtClean="0"/>
           </a:p>
           <a:p>
             <a:pPr lvl="2"/>
@@ -372,7 +374,6 @@
               <a:rPr lang="en-US" smtClean="0"/>
               <a:t>Third level</a:t>
             </a:r>
-            <a:endParaRPr lang="en-US" smtClean="0"/>
           </a:p>
           <a:p>
             <a:pPr lvl="3"/>
@@ -380,7 +381,6 @@
               <a:rPr lang="en-US" smtClean="0"/>
               <a:t>Fourth level</a:t>
             </a:r>
-            <a:endParaRPr lang="en-US" smtClean="0"/>
           </a:p>
           <a:p>
             <a:pPr lvl="4"/>
@@ -409,6 +409,8 @@
           <a:p>
             <a:fld id="{63A1C593-65D0-4073-BCC9-577B9352EA97}" type="datetimeFigureOut">
               <a:rPr lang="en-US" smtClean="0"/>
+              <a:pPr/>
+              <a:t>1/30/2022</a:t>
             </a:fld>
             <a:endParaRPr lang="en-US"/>
           </a:p>
@@ -450,6 +452,8 @@
           <a:p>
             <a:fld id="{9B618960-8005-486C-9A75-10CB2AAC16F9}" type="slidenum">
               <a:rPr lang="en-US" smtClean="0"/>
+              <a:pPr/>
+              <a:t>‹#›</a:t>
             </a:fld>
             <a:endParaRPr lang="en-US"/>
           </a:p>
@@ -533,7 +537,6 @@
               <a:rPr lang="en-US" smtClean="0"/>
               <a:t>Click to edit Master text styles</a:t>
             </a:r>
-            <a:endParaRPr lang="en-US" smtClean="0"/>
           </a:p>
           <a:p>
             <a:pPr lvl="1"/>
@@ -541,7 +544,6 @@
               <a:rPr lang="en-US" smtClean="0"/>
               <a:t>Second level</a:t>
             </a:r>
-            <a:endParaRPr lang="en-US" smtClean="0"/>
           </a:p>
           <a:p>
             <a:pPr lvl="2"/>
@@ -549,7 +551,6 @@
               <a:rPr lang="en-US" smtClean="0"/>
               <a:t>Third level</a:t>
             </a:r>
-            <a:endParaRPr lang="en-US" smtClean="0"/>
           </a:p>
           <a:p>
             <a:pPr lvl="3"/>
@@ -557,7 +558,6 @@
               <a:rPr lang="en-US" smtClean="0"/>
               <a:t>Fourth level</a:t>
             </a:r>
-            <a:endParaRPr lang="en-US" smtClean="0"/>
           </a:p>
           <a:p>
             <a:pPr lvl="4"/>
@@ -586,6 +586,8 @@
           <a:p>
             <a:fld id="{63A1C593-65D0-4073-BCC9-577B9352EA97}" type="datetimeFigureOut">
               <a:rPr lang="en-US" smtClean="0"/>
+              <a:pPr/>
+              <a:t>1/30/2022</a:t>
             </a:fld>
             <a:endParaRPr lang="en-US"/>
           </a:p>
@@ -627,6 +629,8 @@
           <a:p>
             <a:fld id="{9B618960-8005-486C-9A75-10CB2AAC16F9}" type="slidenum">
               <a:rPr lang="en-US" smtClean="0"/>
+              <a:pPr/>
+              <a:t>‹#›</a:t>
             </a:fld>
             <a:endParaRPr lang="en-US"/>
           </a:p>
@@ -700,7 +704,6 @@
               <a:rPr lang="en-US" smtClean="0"/>
               <a:t>Click to edit Master text styles</a:t>
             </a:r>
-            <a:endParaRPr lang="en-US" smtClean="0"/>
           </a:p>
           <a:p>
             <a:pPr lvl="1"/>
@@ -708,7 +711,6 @@
               <a:rPr lang="en-US" smtClean="0"/>
               <a:t>Second level</a:t>
             </a:r>
-            <a:endParaRPr lang="en-US" smtClean="0"/>
           </a:p>
           <a:p>
             <a:pPr lvl="2"/>
@@ -716,7 +718,6 @@
               <a:rPr lang="en-US" smtClean="0"/>
               <a:t>Third level</a:t>
             </a:r>
-            <a:endParaRPr lang="en-US" smtClean="0"/>
           </a:p>
           <a:p>
             <a:pPr lvl="3"/>
@@ -724,7 +725,6 @@
               <a:rPr lang="en-US" smtClean="0"/>
               <a:t>Fourth level</a:t>
             </a:r>
-            <a:endParaRPr lang="en-US" smtClean="0"/>
           </a:p>
           <a:p>
             <a:pPr lvl="4"/>
@@ -753,6 +753,8 @@
           <a:p>
             <a:fld id="{63A1C593-65D0-4073-BCC9-577B9352EA97}" type="datetimeFigureOut">
               <a:rPr lang="en-US" smtClean="0"/>
+              <a:pPr/>
+              <a:t>1/30/2022</a:t>
             </a:fld>
             <a:endParaRPr lang="en-US"/>
           </a:p>
@@ -794,6 +796,8 @@
           <a:p>
             <a:fld id="{9B618960-8005-486C-9A75-10CB2AAC16F9}" type="slidenum">
               <a:rPr lang="en-US" smtClean="0"/>
+              <a:pPr/>
+              <a:t>‹#›</a:t>
             </a:fld>
             <a:endParaRPr lang="en-US"/>
           </a:p>
@@ -972,7 +976,6 @@
               <a:rPr lang="en-US" smtClean="0"/>
               <a:t>Click to edit Master text styles</a:t>
             </a:r>
-            <a:endParaRPr lang="en-US" smtClean="0"/>
           </a:p>
         </p:txBody>
       </p:sp>
@@ -993,6 +996,8 @@
           <a:p>
             <a:fld id="{63A1C593-65D0-4073-BCC9-577B9352EA97}" type="datetimeFigureOut">
               <a:rPr lang="en-US" smtClean="0"/>
+              <a:pPr/>
+              <a:t>1/30/2022</a:t>
             </a:fld>
             <a:endParaRPr lang="en-US"/>
           </a:p>
@@ -1034,6 +1039,8 @@
           <a:p>
             <a:fld id="{9B618960-8005-486C-9A75-10CB2AAC16F9}" type="slidenum">
               <a:rPr lang="en-US" smtClean="0"/>
+              <a:pPr/>
+              <a:t>‹#›</a:t>
             </a:fld>
             <a:endParaRPr lang="en-US"/>
           </a:p>
@@ -1112,7 +1119,6 @@
               <a:rPr lang="en-US" smtClean="0"/>
               <a:t>Click to edit Master text styles</a:t>
             </a:r>
-            <a:endParaRPr lang="en-US" smtClean="0"/>
           </a:p>
           <a:p>
             <a:pPr lvl="1"/>
@@ -1120,7 +1126,6 @@
               <a:rPr lang="en-US" smtClean="0"/>
               <a:t>Second level</a:t>
             </a:r>
-            <a:endParaRPr lang="en-US" smtClean="0"/>
           </a:p>
           <a:p>
             <a:pPr lvl="2"/>
@@ -1128,7 +1133,6 @@
               <a:rPr lang="en-US" smtClean="0"/>
               <a:t>Third level</a:t>
             </a:r>
-            <a:endParaRPr lang="en-US" smtClean="0"/>
           </a:p>
           <a:p>
             <a:pPr lvl="3"/>
@@ -1136,7 +1140,6 @@
               <a:rPr lang="en-US" smtClean="0"/>
               <a:t>Fourth level</a:t>
             </a:r>
-            <a:endParaRPr lang="en-US" smtClean="0"/>
           </a:p>
           <a:p>
             <a:pPr lvl="4"/>
@@ -1173,7 +1176,6 @@
               <a:rPr lang="en-US" smtClean="0"/>
               <a:t>Click to edit Master text styles</a:t>
             </a:r>
-            <a:endParaRPr lang="en-US" smtClean="0"/>
           </a:p>
           <a:p>
             <a:pPr lvl="1"/>
@@ -1181,7 +1183,6 @@
               <a:rPr lang="en-US" smtClean="0"/>
               <a:t>Second level</a:t>
             </a:r>
-            <a:endParaRPr lang="en-US" smtClean="0"/>
           </a:p>
           <a:p>
             <a:pPr lvl="2"/>
@@ -1189,7 +1190,6 @@
               <a:rPr lang="en-US" smtClean="0"/>
               <a:t>Third level</a:t>
             </a:r>
-            <a:endParaRPr lang="en-US" smtClean="0"/>
           </a:p>
           <a:p>
             <a:pPr lvl="3"/>
@@ -1197,7 +1197,6 @@
               <a:rPr lang="en-US" smtClean="0"/>
               <a:t>Fourth level</a:t>
             </a:r>
-            <a:endParaRPr lang="en-US" smtClean="0"/>
           </a:p>
           <a:p>
             <a:pPr lvl="4"/>
@@ -1226,6 +1225,8 @@
           <a:p>
             <a:fld id="{63A1C593-65D0-4073-BCC9-577B9352EA97}" type="datetimeFigureOut">
               <a:rPr lang="en-US" smtClean="0"/>
+              <a:pPr/>
+              <a:t>1/30/2022</a:t>
             </a:fld>
             <a:endParaRPr lang="en-US"/>
           </a:p>
@@ -1267,6 +1268,8 @@
           <a:p>
             <a:fld id="{9B618960-8005-486C-9A75-10CB2AAC16F9}" type="slidenum">
               <a:rPr lang="en-US" smtClean="0"/>
+              <a:pPr/>
+              <a:t>‹#›</a:t>
             </a:fld>
             <a:endParaRPr lang="en-US"/>
           </a:p>
@@ -1387,7 +1390,6 @@
               <a:rPr lang="en-US" smtClean="0"/>
               <a:t>Click to edit Master text styles</a:t>
             </a:r>
-            <a:endParaRPr lang="en-US" smtClean="0"/>
           </a:p>
         </p:txBody>
       </p:sp>
@@ -1416,7 +1418,6 @@
               <a:rPr lang="en-US" smtClean="0"/>
               <a:t>Click to edit Master text styles</a:t>
             </a:r>
-            <a:endParaRPr lang="en-US" smtClean="0"/>
           </a:p>
           <a:p>
             <a:pPr lvl="1"/>
@@ -1424,7 +1425,6 @@
               <a:rPr lang="en-US" smtClean="0"/>
               <a:t>Second level</a:t>
             </a:r>
-            <a:endParaRPr lang="en-US" smtClean="0"/>
           </a:p>
           <a:p>
             <a:pPr lvl="2"/>
@@ -1432,7 +1432,6 @@
               <a:rPr lang="en-US" smtClean="0"/>
               <a:t>Third level</a:t>
             </a:r>
-            <a:endParaRPr lang="en-US" smtClean="0"/>
           </a:p>
           <a:p>
             <a:pPr lvl="3"/>
@@ -1440,7 +1439,6 @@
               <a:rPr lang="en-US" smtClean="0"/>
               <a:t>Fourth level</a:t>
             </a:r>
-            <a:endParaRPr lang="en-US" smtClean="0"/>
           </a:p>
           <a:p>
             <a:pPr lvl="4"/>
@@ -1514,7 +1512,6 @@
               <a:rPr lang="en-US" smtClean="0"/>
               <a:t>Click to edit Master text styles</a:t>
             </a:r>
-            <a:endParaRPr lang="en-US" smtClean="0"/>
           </a:p>
         </p:txBody>
       </p:sp>
@@ -1543,7 +1540,6 @@
               <a:rPr lang="en-US" smtClean="0"/>
               <a:t>Click to edit Master text styles</a:t>
             </a:r>
-            <a:endParaRPr lang="en-US" smtClean="0"/>
           </a:p>
           <a:p>
             <a:pPr lvl="1"/>
@@ -1551,7 +1547,6 @@
               <a:rPr lang="en-US" smtClean="0"/>
               <a:t>Second level</a:t>
             </a:r>
-            <a:endParaRPr lang="en-US" smtClean="0"/>
           </a:p>
           <a:p>
             <a:pPr lvl="2"/>
@@ -1559,7 +1554,6 @@
               <a:rPr lang="en-US" smtClean="0"/>
               <a:t>Third level</a:t>
             </a:r>
-            <a:endParaRPr lang="en-US" smtClean="0"/>
           </a:p>
           <a:p>
             <a:pPr lvl="3"/>
@@ -1567,7 +1561,6 @@
               <a:rPr lang="en-US" smtClean="0"/>
               <a:t>Fourth level</a:t>
             </a:r>
-            <a:endParaRPr lang="en-US" smtClean="0"/>
           </a:p>
           <a:p>
             <a:pPr lvl="4"/>
@@ -1596,6 +1589,8 @@
           <a:p>
             <a:fld id="{63A1C593-65D0-4073-BCC9-577B9352EA97}" type="datetimeFigureOut">
               <a:rPr lang="en-US" smtClean="0"/>
+              <a:pPr/>
+              <a:t>1/30/2022</a:t>
             </a:fld>
             <a:endParaRPr lang="en-US"/>
           </a:p>
@@ -1637,6 +1632,8 @@
           <a:p>
             <a:fld id="{9B618960-8005-486C-9A75-10CB2AAC16F9}" type="slidenum">
               <a:rPr lang="en-US" smtClean="0"/>
+              <a:pPr/>
+              <a:t>‹#›</a:t>
             </a:fld>
             <a:endParaRPr lang="en-US"/>
           </a:p>
@@ -1707,6 +1704,8 @@
           <a:p>
             <a:fld id="{63A1C593-65D0-4073-BCC9-577B9352EA97}" type="datetimeFigureOut">
               <a:rPr lang="en-US" smtClean="0"/>
+              <a:pPr/>
+              <a:t>1/30/2022</a:t>
             </a:fld>
             <a:endParaRPr lang="en-US"/>
           </a:p>
@@ -1748,6 +1747,8 @@
           <a:p>
             <a:fld id="{9B618960-8005-486C-9A75-10CB2AAC16F9}" type="slidenum">
               <a:rPr lang="en-US" smtClean="0"/>
+              <a:pPr/>
+              <a:t>‹#›</a:t>
             </a:fld>
             <a:endParaRPr lang="en-US"/>
           </a:p>
@@ -1795,6 +1796,8 @@
           <a:p>
             <a:fld id="{63A1C593-65D0-4073-BCC9-577B9352EA97}" type="datetimeFigureOut">
               <a:rPr lang="en-US" smtClean="0"/>
+              <a:pPr/>
+              <a:t>1/30/2022</a:t>
             </a:fld>
             <a:endParaRPr lang="en-US"/>
           </a:p>
@@ -1836,6 +1839,8 @@
           <a:p>
             <a:fld id="{9B618960-8005-486C-9A75-10CB2AAC16F9}" type="slidenum">
               <a:rPr lang="en-US" smtClean="0"/>
+              <a:pPr/>
+              <a:t>‹#›</a:t>
             </a:fld>
             <a:endParaRPr lang="en-US"/>
           </a:p>
@@ -1951,7 +1956,6 @@
               <a:rPr lang="en-US" smtClean="0"/>
               <a:t>Click to edit Master text styles</a:t>
             </a:r>
-            <a:endParaRPr lang="en-US" smtClean="0"/>
           </a:p>
           <a:p>
             <a:pPr lvl="1"/>
@@ -1959,7 +1963,6 @@
               <a:rPr lang="en-US" smtClean="0"/>
               <a:t>Second level</a:t>
             </a:r>
-            <a:endParaRPr lang="en-US" smtClean="0"/>
           </a:p>
           <a:p>
             <a:pPr lvl="2"/>
@@ -1967,7 +1970,6 @@
               <a:rPr lang="en-US" smtClean="0"/>
               <a:t>Third level</a:t>
             </a:r>
-            <a:endParaRPr lang="en-US" smtClean="0"/>
           </a:p>
           <a:p>
             <a:pPr lvl="3"/>
@@ -1975,7 +1977,6 @@
               <a:rPr lang="en-US" smtClean="0"/>
               <a:t>Fourth level</a:t>
             </a:r>
-            <a:endParaRPr lang="en-US" smtClean="0"/>
           </a:p>
           <a:p>
             <a:pPr lvl="4"/>
@@ -2049,7 +2050,6 @@
               <a:rPr lang="en-US" smtClean="0"/>
               <a:t>Click to edit Master text styles</a:t>
             </a:r>
-            <a:endParaRPr lang="en-US" smtClean="0"/>
           </a:p>
         </p:txBody>
       </p:sp>
@@ -2070,6 +2070,8 @@
           <a:p>
             <a:fld id="{63A1C593-65D0-4073-BCC9-577B9352EA97}" type="datetimeFigureOut">
               <a:rPr lang="en-US" smtClean="0"/>
+              <a:pPr/>
+              <a:t>1/30/2022</a:t>
             </a:fld>
             <a:endParaRPr lang="en-US"/>
           </a:p>
@@ -2111,6 +2113,8 @@
           <a:p>
             <a:fld id="{9B618960-8005-486C-9A75-10CB2AAC16F9}" type="slidenum">
               <a:rPr lang="en-US" smtClean="0"/>
+              <a:pPr/>
+              <a:t>‹#›</a:t>
             </a:fld>
             <a:endParaRPr lang="en-US"/>
           </a:p>
@@ -2296,7 +2300,6 @@
               <a:rPr lang="en-US" smtClean="0"/>
               <a:t>Click to edit Master text styles</a:t>
             </a:r>
-            <a:endParaRPr lang="en-US" smtClean="0"/>
           </a:p>
         </p:txBody>
       </p:sp>
@@ -2317,6 +2320,8 @@
           <a:p>
             <a:fld id="{63A1C593-65D0-4073-BCC9-577B9352EA97}" type="datetimeFigureOut">
               <a:rPr lang="en-US" smtClean="0"/>
+              <a:pPr/>
+              <a:t>1/30/2022</a:t>
             </a:fld>
             <a:endParaRPr lang="en-US"/>
           </a:p>
@@ -2358,6 +2363,8 @@
           <a:p>
             <a:fld id="{9B618960-8005-486C-9A75-10CB2AAC16F9}" type="slidenum">
               <a:rPr lang="en-US" smtClean="0"/>
+              <a:pPr/>
+              <a:t>‹#›</a:t>
             </a:fld>
             <a:endParaRPr lang="en-US"/>
           </a:p>
@@ -2456,7 +2463,6 @@
               <a:rPr lang="en-US" smtClean="0"/>
               <a:t>Click to edit Master text styles</a:t>
             </a:r>
-            <a:endParaRPr lang="en-US" smtClean="0"/>
           </a:p>
           <a:p>
             <a:pPr lvl="1"/>
@@ -2464,7 +2470,6 @@
               <a:rPr lang="en-US" smtClean="0"/>
               <a:t>Second level</a:t>
             </a:r>
-            <a:endParaRPr lang="en-US" smtClean="0"/>
           </a:p>
           <a:p>
             <a:pPr lvl="2"/>
@@ -2472,7 +2477,6 @@
               <a:rPr lang="en-US" smtClean="0"/>
               <a:t>Third level</a:t>
             </a:r>
-            <a:endParaRPr lang="en-US" smtClean="0"/>
           </a:p>
           <a:p>
             <a:pPr lvl="3"/>
@@ -2480,7 +2484,6 @@
               <a:rPr lang="en-US" smtClean="0"/>
               <a:t>Fourth level</a:t>
             </a:r>
-            <a:endParaRPr lang="en-US" smtClean="0"/>
           </a:p>
           <a:p>
             <a:pPr lvl="4"/>
@@ -2527,6 +2530,8 @@
           <a:p>
             <a:fld id="{63A1C593-65D0-4073-BCC9-577B9352EA97}" type="datetimeFigureOut">
               <a:rPr lang="en-US" smtClean="0"/>
+              <a:pPr/>
+              <a:t>1/30/2022</a:t>
             </a:fld>
             <a:endParaRPr lang="en-US"/>
           </a:p>
@@ -2604,6 +2609,8 @@
           <a:p>
             <a:fld id="{9B618960-8005-486C-9A75-10CB2AAC16F9}" type="slidenum">
               <a:rPr lang="en-US" smtClean="0"/>
+              <a:pPr/>
+              <a:t>‹#›</a:t>
             </a:fld>
             <a:endParaRPr lang="en-US"/>
           </a:p>
@@ -2917,7 +2924,14 @@
         <p:cNvGrpSpPr/>
         <p:nvPr/>
       </p:nvGrpSpPr>
-      <p:grpSpPr/>
+      <p:grpSpPr>
+        <a:xfrm>
+          <a:off x="0" y="0"/>
+          <a:ext cx="0" cy="0"/>
+          <a:chOff x="0" y="0"/>
+          <a:chExt cx="0" cy="0"/>
+        </a:xfrm>
+      </p:grpSpPr>
       <p:sp>
         <p:nvSpPr>
           <p:cNvPr id="2" name="Title 1"/>
@@ -2931,6 +2945,7 @@
         <p:spPr/>
         <p:txBody>
           <a:bodyPr/>
+          <a:lstStyle/>
           <a:p>
             <a:r>
               <a:rPr lang="en-US" sz="2800" b="1">
@@ -2939,10 +2954,6 @@
               </a:rPr>
               <a:t>Adventure Time</a:t>
             </a:r>
-            <a:endParaRPr lang="en-US" sz="2800" b="1">
-              <a:latin typeface="Times New Roman" panose="02020603050405020304" charset="0"/>
-              <a:cs typeface="Times New Roman" panose="02020603050405020304" charset="0"/>
-            </a:endParaRPr>
           </a:p>
         </p:txBody>
       </p:sp>
@@ -2964,6 +2975,7 @@
         </p:spPr>
         <p:txBody>
           <a:bodyPr/>
+          <a:lstStyle/>
           <a:p>
             <a:r>
               <a:rPr lang="ru-RU" altLang="en-US" sz="1800" b="1">
@@ -2993,10 +3005,6 @@
               </a:rPr>
               <a:t>)</a:t>
             </a:r>
-            <a:endParaRPr lang="ru-RU" altLang="en-US" sz="1800">
-              <a:latin typeface="Times New Roman" panose="02020603050405020304" charset="0"/>
-              <a:cs typeface="Times New Roman" panose="02020603050405020304" charset="0"/>
-            </a:endParaRPr>
           </a:p>
         </p:txBody>
       </p:sp>
@@ -3018,7 +3026,14 @@
         <p:cNvGrpSpPr/>
         <p:nvPr/>
       </p:nvGrpSpPr>
-      <p:grpSpPr/>
+      <p:grpSpPr>
+        <a:xfrm>
+          <a:off x="0" y="0"/>
+          <a:ext cx="0" cy="0"/>
+          <a:chOff x="0" y="0"/>
+          <a:chExt cx="0" cy="0"/>
+        </a:xfrm>
+      </p:grpSpPr>
       <p:sp>
         <p:nvSpPr>
           <p:cNvPr id="3" name="Content Placeholder 2"/>
@@ -3037,6 +3052,7 @@
         </p:spPr>
         <p:txBody>
           <a:bodyPr/>
+          <a:lstStyle/>
           <a:p>
             <a:pPr marL="0" indent="0" algn="ctr">
               <a:buNone/>
@@ -3048,10 +3064,6 @@
               </a:rPr>
               <a:t>Описание</a:t>
             </a:r>
-            <a:endParaRPr lang="ru-RU" altLang="en-US" b="1">
-              <a:latin typeface="Times New Roman" panose="02020603050405020304" charset="0"/>
-              <a:cs typeface="Times New Roman" panose="02020603050405020304" charset="0"/>
-            </a:endParaRPr>
           </a:p>
           <a:p>
             <a:pPr marL="0" indent="0" algn="ctr">
@@ -3130,15 +3142,7 @@
                 <a:cs typeface="Times New Roman" panose="02020603050405020304" charset="0"/>
                 <a:sym typeface="+mn-ea"/>
               </a:rPr>
-              <a:t>. В случае если они у него не останутся, игрок перейдёт в финальное окно, из которого он сможет начать новую игру или вовсе выйти из неё. </a:t>
-            </a:r>
-            <a:r>
-              <a:rPr lang="ru-RU" altLang="en-US" sz="2000">
-                <a:latin typeface="Times New Roman" panose="02020603050405020304" charset="0"/>
-                <a:cs typeface="Times New Roman" panose="02020603050405020304" charset="0"/>
-                <a:sym typeface="+mn-ea"/>
-              </a:rPr>
-              <a:t>Во время игры у вас будут насчитываться очки, что означает сколько главный герой прожил, эти очки можно видеть на протяжении всей игры и результат выведется в финальное окно после смерти. </a:t>
+              <a:t>. В случае если они у него не останутся, игрок перейдёт в финальное окно, из которого он сможет начать новую игру или вовсе выйти из неё. Во время игры у вас будут насчитываться очки, что означает сколько главный герой прожил, эти очки можно видеть на протяжении всей игры и результат выведется в финальное окно после смерти. </a:t>
             </a:r>
             <a:endParaRPr lang="ru-RU" altLang="en-US" sz="2000">
               <a:latin typeface="Times New Roman" panose="02020603050405020304" charset="0"/>
@@ -3174,7 +3178,14 @@
         <p:cNvGrpSpPr/>
         <p:nvPr/>
       </p:nvGrpSpPr>
-      <p:grpSpPr/>
+      <p:grpSpPr>
+        <a:xfrm>
+          <a:off x="0" y="0"/>
+          <a:ext cx="0" cy="0"/>
+          <a:chOff x="0" y="0"/>
+          <a:chExt cx="0" cy="0"/>
+        </a:xfrm>
+      </p:grpSpPr>
       <p:sp>
         <p:nvSpPr>
           <p:cNvPr id="2" name="Title 1"/>
@@ -3193,6 +3204,7 @@
         </p:spPr>
         <p:txBody>
           <a:bodyPr/>
+          <a:lstStyle/>
           <a:p>
             <a:pPr algn="ctr"/>
             <a:r>
@@ -3202,10 +3214,6 @@
               </a:rPr>
               <a:t>Диаграмма классов</a:t>
             </a:r>
-            <a:endParaRPr lang="ru-RU" altLang="en-US" sz="2800" b="1">
-              <a:latin typeface="Times New Roman" panose="02020603050405020304" charset="0"/>
-              <a:cs typeface="Times New Roman" panose="02020603050405020304" charset="0"/>
-            </a:endParaRPr>
           </a:p>
         </p:txBody>
       </p:sp>
@@ -3227,6 +3235,7 @@
         </p:spPr>
         <p:txBody>
           <a:bodyPr/>
+          <a:lstStyle/>
           <a:p>
             <a:pPr marL="0" indent="0" algn="ctr">
               <a:buNone/>
@@ -3238,10 +3247,6 @@
               </a:rPr>
               <a:t>Game:</a:t>
             </a:r>
-            <a:endParaRPr lang="en-US" b="1">
-              <a:latin typeface="Times New Roman" panose="02020603050405020304" charset="0"/>
-              <a:cs typeface="Times New Roman" panose="02020603050405020304" charset="0"/>
-            </a:endParaRPr>
           </a:p>
           <a:p>
             <a:pPr algn="ctr"/>
@@ -3272,6 +3277,7 @@
           <a:bodyPr>
             <a:normAutofit/>
           </a:bodyPr>
+          <a:lstStyle/>
           <a:p>
             <a:pPr marL="0" indent="0" algn="ctr">
               <a:buNone/>
@@ -3283,10 +3289,6 @@
               </a:rPr>
               <a:t>Sprite:</a:t>
             </a:r>
-            <a:endParaRPr lang="en-US" b="1">
-              <a:latin typeface="Times New Roman" panose="02020603050405020304" charset="0"/>
-              <a:cs typeface="Times New Roman" panose="02020603050405020304" charset="0"/>
-            </a:endParaRPr>
           </a:p>
           <a:p>
             <a:pPr marL="0" indent="0" algn="ctr">
@@ -3315,10 +3317,6 @@
               </a:rPr>
               <a:t>:</a:t>
             </a:r>
-            <a:endParaRPr lang="en-US" altLang="ru-RU" b="1">
-              <a:latin typeface="Times New Roman" panose="02020603050405020304" charset="0"/>
-              <a:cs typeface="Times New Roman" panose="02020603050405020304" charset="0"/>
-            </a:endParaRPr>
           </a:p>
           <a:p>
             <a:pPr marL="0" indent="0">
@@ -3331,10 +3329,6 @@
               </a:rPr>
               <a:t> </a:t>
             </a:r>
-            <a:endParaRPr lang="ru-RU" altLang="ru-RU">
-              <a:latin typeface="Times New Roman" panose="02020603050405020304" charset="0"/>
-              <a:cs typeface="Times New Roman" panose="02020603050405020304" charset="0"/>
-            </a:endParaRPr>
           </a:p>
         </p:txBody>
       </p:sp>
@@ -3377,6 +3371,7 @@
         </p:style>
         <p:txBody>
           <a:bodyPr rtlCol="0" anchor="ctr"/>
+          <a:lstStyle/>
           <a:p>
             <a:pPr algn="ctr"/>
             <a:r>
@@ -3401,14 +3396,6 @@
               </a:rPr>
               <a:t>(главный герой)</a:t>
             </a:r>
-            <a:endParaRPr lang="ru-RU" altLang="ru-RU">
-              <a:solidFill>
-                <a:schemeClr val="tx1"/>
-              </a:solidFill>
-              <a:latin typeface="Times New Roman" panose="02020603050405020304" charset="0"/>
-              <a:cs typeface="Times New Roman" panose="02020603050405020304" charset="0"/>
-              <a:sym typeface="+mn-ea"/>
-            </a:endParaRPr>
           </a:p>
         </p:txBody>
       </p:sp>
@@ -3451,6 +3438,7 @@
         </p:style>
         <p:txBody>
           <a:bodyPr rtlCol="0" anchor="ctr"/>
+          <a:lstStyle/>
           <a:p>
             <a:pPr algn="ctr"/>
             <a:r>
@@ -3475,14 +3463,6 @@
               </a:rPr>
               <a:t>(припятсвия(трубы))</a:t>
             </a:r>
-            <a:endParaRPr lang="ru-RU" altLang="ru-RU">
-              <a:solidFill>
-                <a:schemeClr val="tx1"/>
-              </a:solidFill>
-              <a:latin typeface="Times New Roman" panose="02020603050405020304" charset="0"/>
-              <a:cs typeface="Times New Roman" panose="02020603050405020304" charset="0"/>
-              <a:sym typeface="+mn-ea"/>
-            </a:endParaRPr>
           </a:p>
         </p:txBody>
       </p:sp>
@@ -3494,8 +3474,8 @@
         </p:nvSpPr>
         <p:spPr>
           <a:xfrm>
-            <a:off x="3661410" y="3848100"/>
-            <a:ext cx="4337050" cy="2994660"/>
+            <a:off x="3865946" y="3693696"/>
+            <a:ext cx="4147085" cy="3164304"/>
           </a:xfrm>
           <a:prstGeom prst="rect">
             <a:avLst/>
@@ -3525,13 +3505,14 @@
         </p:style>
         <p:txBody>
           <a:bodyPr rtlCol="0" anchor="ctr"/>
+          <a:lstStyle/>
           <a:p>
             <a:pPr indent="0" algn="l">
               <a:buFont typeface="Arial" panose="020B0604020202020204" pitchFamily="34" charset="0"/>
               <a:buNone/>
             </a:pPr>
             <a:r>
-              <a:rPr lang="ru-RU" altLang="ru-RU" b="1">
+              <a:rPr lang="ru-RU" altLang="ru-RU" b="1" dirty="0" smtClean="0">
                 <a:solidFill>
                   <a:schemeClr val="tx1"/>
                 </a:solidFill>
@@ -3539,31 +3520,9 @@
                 <a:cs typeface="Times New Roman" panose="02020603050405020304" charset="0"/>
                 <a:sym typeface="+mn-ea"/>
               </a:rPr>
-              <a:t>Функции</a:t>
-            </a:r>
-            <a:r>
-              <a:rPr lang="en-US" altLang="ru-RU" b="1">
-                <a:solidFill>
-                  <a:schemeClr val="tx1"/>
-                </a:solidFill>
-                <a:latin typeface="Times New Roman" panose="02020603050405020304" charset="0"/>
-                <a:cs typeface="Times New Roman" panose="02020603050405020304" charset="0"/>
-                <a:sym typeface="+mn-ea"/>
-              </a:rPr>
-              <a:t> </a:t>
-            </a:r>
-            <a:r>
-              <a:rPr lang="ru-RU" altLang="ru-RU" b="1">
-                <a:solidFill>
-                  <a:schemeClr val="tx1"/>
-                </a:solidFill>
-                <a:latin typeface="Times New Roman" panose="02020603050405020304" charset="0"/>
-                <a:cs typeface="Times New Roman" panose="02020603050405020304" charset="0"/>
-                <a:sym typeface="+mn-ea"/>
-              </a:rPr>
-              <a:t>:</a:t>
-            </a:r>
-            <a:endParaRPr lang="ru-RU" altLang="ru-RU" b="1">
+              <a:t>Методы:</a:t>
+            </a:r>
+            <a:endParaRPr lang="ru-RU" altLang="ru-RU" b="1" dirty="0">
               <a:solidFill>
                 <a:schemeClr val="tx1"/>
               </a:solidFill>
@@ -3577,7 +3536,7 @@
               <a:buChar char="•"/>
             </a:pPr>
             <a:r>
-              <a:rPr lang="ru-RU" altLang="ru-RU" sz="1600" b="1">
+              <a:rPr lang="ru-RU" altLang="ru-RU" sz="1600" b="1" dirty="0" err="1">
                 <a:solidFill>
                   <a:schemeClr val="tx1"/>
                 </a:solidFill>
@@ -3588,7 +3547,7 @@
               <a:t>__init__</a:t>
             </a:r>
             <a:r>
-              <a:rPr lang="ru-RU" altLang="ru-RU" sz="1600">
+              <a:rPr lang="ru-RU" altLang="ru-RU" sz="1600" dirty="0">
                 <a:solidFill>
                   <a:schemeClr val="tx1"/>
                 </a:solidFill>
@@ -3598,7 +3557,7 @@
               </a:rPr>
               <a:t>(обозначение основных переменных и констант для работы с персонажем)</a:t>
             </a:r>
-            <a:endParaRPr lang="ru-RU" altLang="ru-RU" sz="1600">
+            <a:endParaRPr lang="ru-RU" altLang="ru-RU" sz="1600" dirty="0">
               <a:solidFill>
                 <a:schemeClr val="tx1"/>
               </a:solidFill>
@@ -3612,7 +3571,7 @@
               <a:buChar char="•"/>
             </a:pPr>
             <a:r>
-              <a:rPr lang="ru-RU" altLang="ru-RU" sz="1600" b="1">
+              <a:rPr lang="ru-RU" altLang="ru-RU" sz="1600" b="1" dirty="0" err="1">
                 <a:solidFill>
                   <a:schemeClr val="tx1"/>
                 </a:solidFill>
@@ -3620,10 +3579,10 @@
                 <a:cs typeface="Times New Roman" panose="02020603050405020304" charset="0"/>
                 <a:sym typeface="+mn-ea"/>
               </a:rPr>
-              <a:t>move(</a:t>
-            </a:r>
-            <a:r>
-              <a:rPr lang="ru-RU" altLang="ru-RU" sz="1600">
+              <a:t>move</a:t>
+            </a:r>
+            <a:r>
+              <a:rPr lang="ru-RU" altLang="ru-RU" sz="1600" b="1" dirty="0">
                 <a:solidFill>
                   <a:schemeClr val="tx1"/>
                 </a:solidFill>
@@ -3631,9 +3590,20 @@
                 <a:cs typeface="Times New Roman" panose="02020603050405020304" charset="0"/>
                 <a:sym typeface="+mn-ea"/>
               </a:rPr>
+              <a:t>(</a:t>
+            </a:r>
+            <a:r>
+              <a:rPr lang="ru-RU" altLang="ru-RU" sz="1600" dirty="0">
+                <a:solidFill>
+                  <a:schemeClr val="tx1"/>
+                </a:solidFill>
+                <a:latin typeface="Times New Roman" panose="02020603050405020304" charset="0"/>
+                <a:cs typeface="Times New Roman" panose="02020603050405020304" charset="0"/>
+                <a:sym typeface="+mn-ea"/>
+              </a:rPr>
               <a:t>движение игрока)</a:t>
             </a:r>
-            <a:endParaRPr lang="ru-RU" altLang="ru-RU" sz="1600">
+            <a:endParaRPr lang="ru-RU" altLang="ru-RU" sz="1600" dirty="0">
               <a:solidFill>
                 <a:schemeClr val="tx1"/>
               </a:solidFill>
@@ -3647,7 +3617,7 @@
               <a:buChar char="•"/>
             </a:pPr>
             <a:r>
-              <a:rPr lang="ru-RU" altLang="ru-RU" sz="1600" b="1">
+              <a:rPr lang="ru-RU" altLang="ru-RU" sz="1600" b="1" dirty="0" err="1">
                 <a:solidFill>
                   <a:schemeClr val="tx1"/>
                 </a:solidFill>
@@ -3658,7 +3628,7 @@
               <a:t>fall</a:t>
             </a:r>
             <a:r>
-              <a:rPr lang="ru-RU" altLang="ru-RU" sz="1600">
+              <a:rPr lang="ru-RU" altLang="ru-RU" sz="1600" dirty="0">
                 <a:solidFill>
                   <a:schemeClr val="tx1"/>
                 </a:solidFill>
@@ -3668,7 +3638,7 @@
               </a:rPr>
               <a:t>(в случае столкновения с трубами или границами экрана)</a:t>
             </a:r>
-            <a:endParaRPr lang="ru-RU" altLang="ru-RU" sz="1600">
+            <a:endParaRPr lang="ru-RU" altLang="ru-RU" sz="1600" dirty="0">
               <a:solidFill>
                 <a:schemeClr val="tx1"/>
               </a:solidFill>
@@ -3682,7 +3652,7 @@
               <a:buChar char="•"/>
             </a:pPr>
             <a:r>
-              <a:rPr lang="ru-RU" altLang="ru-RU" sz="1600" b="1">
+              <a:rPr lang="ru-RU" altLang="ru-RU" sz="1600" b="1" dirty="0" err="1">
                 <a:solidFill>
                   <a:schemeClr val="tx1"/>
                 </a:solidFill>
@@ -3693,7 +3663,7 @@
               <a:t>update</a:t>
             </a:r>
             <a:r>
-              <a:rPr lang="ru-RU" altLang="ru-RU" sz="1600">
+              <a:rPr lang="ru-RU" altLang="ru-RU" sz="1600" dirty="0">
                 <a:solidFill>
                   <a:schemeClr val="tx1"/>
                 </a:solidFill>
@@ -3703,7 +3673,7 @@
               </a:rPr>
               <a:t>(загрузка главного персонажа, а так же его возвращение в начальную позицию после столкновения)</a:t>
             </a:r>
-            <a:endParaRPr lang="ru-RU" altLang="ru-RU" sz="1600">
+            <a:endParaRPr lang="ru-RU" altLang="ru-RU" sz="1600" dirty="0">
               <a:solidFill>
                 <a:schemeClr val="tx1"/>
               </a:solidFill>
@@ -3717,7 +3687,7 @@
               <a:buChar char="•"/>
             </a:pPr>
             <a:r>
-              <a:rPr lang="ru-RU" altLang="ru-RU" sz="1600" b="1">
+              <a:rPr lang="ru-RU" altLang="ru-RU" sz="1600" b="1" dirty="0" err="1">
                 <a:solidFill>
                   <a:schemeClr val="tx1"/>
                 </a:solidFill>
@@ -3728,7 +3698,7 @@
               <a:t>loss_Of_Life</a:t>
             </a:r>
             <a:r>
-              <a:rPr lang="ru-RU" altLang="ru-RU" sz="1600">
+              <a:rPr lang="ru-RU" altLang="ru-RU" sz="1600" dirty="0">
                 <a:solidFill>
                   <a:schemeClr val="tx1"/>
                 </a:solidFill>
@@ -3738,14 +3708,6 @@
               </a:rPr>
               <a:t>(в случае столкновения с трубами или границами экрана уменьшение жизней)</a:t>
             </a:r>
-            <a:endParaRPr lang="ru-RU" altLang="ru-RU" sz="1600">
-              <a:solidFill>
-                <a:schemeClr val="tx1"/>
-              </a:solidFill>
-              <a:latin typeface="Times New Roman" panose="02020603050405020304" charset="0"/>
-              <a:cs typeface="Times New Roman" panose="02020603050405020304" charset="0"/>
-              <a:sym typeface="+mn-ea"/>
-            </a:endParaRPr>
           </a:p>
         </p:txBody>
       </p:sp>
@@ -3758,7 +3720,7 @@
         <p:spPr>
           <a:xfrm>
             <a:off x="9056370" y="3848100"/>
-            <a:ext cx="3166110" cy="1754505"/>
+            <a:ext cx="3166110" cy="1566111"/>
           </a:xfrm>
           <a:prstGeom prst="rect">
             <a:avLst/>
@@ -3788,13 +3750,14 @@
         </p:style>
         <p:txBody>
           <a:bodyPr rtlCol="0" anchor="ctr"/>
+          <a:lstStyle/>
           <a:p>
             <a:pPr indent="0" algn="l">
               <a:buFont typeface="Arial" panose="020B0604020202020204" pitchFamily="34" charset="0"/>
               <a:buNone/>
             </a:pPr>
             <a:r>
-              <a:rPr lang="ru-RU" altLang="ru-RU" b="1">
+              <a:rPr lang="ru-RU" altLang="ru-RU" b="1" dirty="0" smtClean="0">
                 <a:solidFill>
                   <a:schemeClr val="tx1"/>
                 </a:solidFill>
@@ -3802,20 +3765,9 @@
                 <a:cs typeface="Times New Roman" panose="02020603050405020304" charset="0"/>
                 <a:sym typeface="+mn-ea"/>
               </a:rPr>
-              <a:t>Функции</a:t>
-            </a:r>
-            <a:r>
-              <a:rPr lang="ru-RU" altLang="ru-RU" b="1">
-                <a:solidFill>
-                  <a:schemeClr val="tx1"/>
-                </a:solidFill>
-                <a:latin typeface="Times New Roman" panose="02020603050405020304" charset="0"/>
-                <a:cs typeface="Times New Roman" panose="02020603050405020304" charset="0"/>
-                <a:sym typeface="+mn-ea"/>
-              </a:rPr>
-              <a:t>:</a:t>
-            </a:r>
-            <a:endParaRPr lang="ru-RU" altLang="ru-RU" b="1">
+              <a:t>Методы:</a:t>
+            </a:r>
+            <a:endParaRPr lang="ru-RU" altLang="ru-RU" b="1" dirty="0">
               <a:solidFill>
                 <a:schemeClr val="tx1"/>
               </a:solidFill>
@@ -3830,7 +3782,7 @@
               <a:buChar char="•"/>
             </a:pPr>
             <a:r>
-              <a:rPr lang="ru-RU" altLang="ru-RU" sz="1600" b="1">
+              <a:rPr lang="ru-RU" altLang="ru-RU" sz="1600" b="1" dirty="0" err="1">
                 <a:solidFill>
                   <a:schemeClr val="tx1"/>
                 </a:solidFill>
@@ -3841,7 +3793,7 @@
               <a:t>_init__</a:t>
             </a:r>
             <a:r>
-              <a:rPr lang="ru-RU" altLang="ru-RU" sz="1600">
+              <a:rPr lang="ru-RU" altLang="ru-RU" sz="1600" dirty="0">
                 <a:solidFill>
                   <a:schemeClr val="tx1"/>
                 </a:solidFill>
@@ -3849,10 +3801,10 @@
                 <a:cs typeface="Times New Roman" panose="02020603050405020304" charset="0"/>
                 <a:sym typeface="+mn-ea"/>
               </a:rPr>
-              <a:t>(</a:t>
-            </a:r>
-            <a:r>
-              <a:rPr lang="ru-RU" altLang="ru-RU" sz="1600">
+              <a:t>(обозначение основных переменных и констант для работы с трубами. а так же </a:t>
+            </a:r>
+            <a:r>
+              <a:rPr lang="ru-RU" altLang="ru-RU" sz="1600" dirty="0" err="1">
                 <a:solidFill>
                   <a:schemeClr val="tx1"/>
                 </a:solidFill>
@@ -3860,10 +3812,10 @@
                 <a:cs typeface="Times New Roman" panose="02020603050405020304" charset="0"/>
                 <a:sym typeface="+mn-ea"/>
               </a:rPr>
-              <a:t>обозначение основных переменных и констант для работы с трубами. а так же отрисовка труб</a:t>
-            </a:r>
-            <a:r>
-              <a:rPr lang="ru-RU" altLang="ru-RU" sz="1600">
+              <a:t>отрисовка</a:t>
+            </a:r>
+            <a:r>
+              <a:rPr lang="ru-RU" altLang="ru-RU" sz="1600" dirty="0">
                 <a:solidFill>
                   <a:schemeClr val="tx1"/>
                 </a:solidFill>
@@ -3871,9 +3823,9 @@
                 <a:cs typeface="Times New Roman" panose="02020603050405020304" charset="0"/>
                 <a:sym typeface="+mn-ea"/>
               </a:rPr>
-              <a:t>)</a:t>
-            </a:r>
-            <a:endParaRPr lang="ru-RU" altLang="ru-RU" sz="1600">
+              <a:t> труб)</a:t>
+            </a:r>
+            <a:endParaRPr lang="ru-RU" altLang="ru-RU" sz="1600" dirty="0">
               <a:solidFill>
                 <a:schemeClr val="tx1"/>
               </a:solidFill>
@@ -3887,7 +3839,7 @@
               <a:buChar char="•"/>
             </a:pPr>
             <a:r>
-              <a:rPr lang="ru-RU" altLang="ru-RU" sz="1600" b="1">
+              <a:rPr lang="ru-RU" altLang="ru-RU" sz="1600" b="1" dirty="0" err="1">
                 <a:solidFill>
                   <a:schemeClr val="tx1"/>
                 </a:solidFill>
@@ -3895,10 +3847,10 @@
                 <a:cs typeface="Times New Roman" panose="02020603050405020304" charset="0"/>
                 <a:sym typeface="+mn-ea"/>
               </a:rPr>
-              <a:t>update(</a:t>
-            </a:r>
-            <a:r>
-              <a:rPr lang="ru-RU" altLang="ru-RU" sz="1600">
+              <a:t>update</a:t>
+            </a:r>
+            <a:r>
+              <a:rPr lang="ru-RU" altLang="ru-RU" sz="1600" b="1" dirty="0">
                 <a:solidFill>
                   <a:schemeClr val="tx1"/>
                 </a:solidFill>
@@ -3906,16 +3858,19 @@
                 <a:cs typeface="Times New Roman" panose="02020603050405020304" charset="0"/>
                 <a:sym typeface="+mn-ea"/>
               </a:rPr>
+              <a:t>(</a:t>
+            </a:r>
+            <a:r>
+              <a:rPr lang="ru-RU" altLang="ru-RU" sz="1600" dirty="0">
+                <a:solidFill>
+                  <a:schemeClr val="tx1"/>
+                </a:solidFill>
+                <a:latin typeface="Times New Roman" panose="02020603050405020304" charset="0"/>
+                <a:cs typeface="Times New Roman" panose="02020603050405020304" charset="0"/>
+                <a:sym typeface="+mn-ea"/>
+              </a:rPr>
               <a:t>движение труб)</a:t>
             </a:r>
-            <a:endParaRPr lang="ru-RU" altLang="ru-RU" sz="1600">
-              <a:solidFill>
-                <a:schemeClr val="tx1"/>
-              </a:solidFill>
-              <a:latin typeface="Times New Roman" panose="02020603050405020304" charset="0"/>
-              <a:cs typeface="Times New Roman" panose="02020603050405020304" charset="0"/>
-              <a:sym typeface="+mn-ea"/>
-            </a:endParaRPr>
           </a:p>
         </p:txBody>
       </p:sp>
@@ -3958,10 +3913,11 @@
         </p:style>
         <p:txBody>
           <a:bodyPr rtlCol="0" anchor="ctr"/>
+          <a:lstStyle/>
           <a:p>
             <a:pPr algn="l"/>
             <a:r>
-              <a:rPr lang="ru-RU">
+              <a:rPr lang="ru-RU" dirty="0">
                 <a:solidFill>
                   <a:schemeClr val="tx1"/>
                 </a:solidFill>
@@ -3971,7 +3927,7 @@
               </a:rPr>
               <a:t>Функции:</a:t>
             </a:r>
-            <a:endParaRPr lang="ru-RU">
+            <a:endParaRPr lang="ru-RU" dirty="0">
               <a:solidFill>
                 <a:schemeClr val="tx1"/>
               </a:solidFill>
@@ -3985,7 +3941,7 @@
               <a:buChar char="•"/>
             </a:pPr>
             <a:r>
-              <a:rPr lang="en-US" sz="1600" b="1">
+              <a:rPr lang="en-US" sz="1600" b="1" dirty="0" err="1" smtClean="0">
                 <a:solidFill>
                   <a:schemeClr val="tx1"/>
                 </a:solidFill>
@@ -3996,7 +3952,7 @@
               <a:t>load_image</a:t>
             </a:r>
             <a:r>
-              <a:rPr lang="ru-RU" altLang="en-US" sz="1600">
+              <a:rPr lang="ru-RU" altLang="en-US" sz="1600" dirty="0" smtClean="0">
                 <a:solidFill>
                   <a:schemeClr val="tx1"/>
                 </a:solidFill>
@@ -4006,7 +3962,7 @@
               </a:rPr>
               <a:t>(загрузка изображений)</a:t>
             </a:r>
-            <a:endParaRPr lang="ru-RU" altLang="en-US" sz="1600">
+            <a:endParaRPr lang="ru-RU" altLang="en-US" sz="1600" dirty="0" smtClean="0">
               <a:solidFill>
                 <a:schemeClr val="tx1"/>
               </a:solidFill>
@@ -4020,7 +3976,7 @@
               <a:buChar char="•"/>
             </a:pPr>
             <a:r>
-              <a:rPr lang="en-US" sz="1600" b="1">
+              <a:rPr lang="en-US" sz="1600" b="1" dirty="0" err="1" smtClean="0">
                 <a:solidFill>
                   <a:schemeClr val="tx1"/>
                 </a:solidFill>
@@ -4031,7 +3987,7 @@
               <a:t>start_menu</a:t>
             </a:r>
             <a:r>
-              <a:rPr lang="ru-RU" altLang="en-US" sz="1600">
+              <a:rPr lang="ru-RU" altLang="en-US" sz="1600" dirty="0" smtClean="0">
                 <a:solidFill>
                   <a:schemeClr val="tx1"/>
                 </a:solidFill>
@@ -4041,7 +3997,7 @@
               </a:rPr>
               <a:t>(запуск меню)</a:t>
             </a:r>
-            <a:endParaRPr lang="ru-RU" altLang="en-US" sz="1600">
+            <a:endParaRPr lang="ru-RU" altLang="en-US" sz="1600" dirty="0" smtClean="0">
               <a:solidFill>
                 <a:schemeClr val="tx1"/>
               </a:solidFill>
@@ -4055,7 +4011,7 @@
               <a:buChar char="•"/>
             </a:pPr>
             <a:r>
-              <a:rPr lang="en-US" sz="1600" b="1">
+              <a:rPr lang="en-US" sz="1600" b="1" dirty="0" err="1" smtClean="0">
                 <a:solidFill>
                   <a:schemeClr val="tx1"/>
                 </a:solidFill>
@@ -4066,7 +4022,7 @@
               <a:t>start_game</a:t>
             </a:r>
             <a:r>
-              <a:rPr lang="ru-RU" altLang="en-US" sz="1600">
+              <a:rPr lang="ru-RU" altLang="en-US" sz="1600" dirty="0">
                 <a:solidFill>
                   <a:schemeClr val="tx1"/>
                 </a:solidFill>
@@ -4076,7 +4032,7 @@
               </a:rPr>
               <a:t>(начало игры)</a:t>
             </a:r>
-            <a:endParaRPr lang="en-US" altLang="en-US" sz="1600">
+            <a:endParaRPr lang="en-US" altLang="en-US" sz="1600" dirty="0">
               <a:solidFill>
                 <a:schemeClr val="tx1"/>
               </a:solidFill>
@@ -4090,7 +4046,7 @@
               <a:buChar char="•"/>
             </a:pPr>
             <a:r>
-              <a:rPr lang="en-US" sz="1600" b="1">
+              <a:rPr lang="en-US" sz="1600" b="1" dirty="0" err="1">
                 <a:solidFill>
                   <a:schemeClr val="tx1"/>
                 </a:solidFill>
@@ -4101,7 +4057,7 @@
               <a:t>game_over</a:t>
             </a:r>
             <a:r>
-              <a:rPr lang="ru-RU" altLang="en-US" sz="1600">
+              <a:rPr lang="ru-RU" altLang="en-US" sz="1600" dirty="0">
                 <a:solidFill>
                   <a:schemeClr val="tx1"/>
                 </a:solidFill>
@@ -4111,7 +4067,7 @@
               </a:rPr>
               <a:t>(финальное окно)</a:t>
             </a:r>
-            <a:endParaRPr lang="ru-RU" altLang="en-US" sz="1600">
+            <a:endParaRPr lang="ru-RU" altLang="en-US" sz="1600" dirty="0">
               <a:solidFill>
                 <a:schemeClr val="tx1"/>
               </a:solidFill>
@@ -4125,7 +4081,7 @@
               <a:buChar char="•"/>
             </a:pPr>
             <a:r>
-              <a:rPr lang="ru-RU" altLang="en-US" sz="1600" b="1">
+              <a:rPr lang="ru-RU" altLang="en-US" sz="1600" b="1" dirty="0" err="1">
                 <a:solidFill>
                   <a:schemeClr val="tx1"/>
                 </a:solidFill>
@@ -4136,7 +4092,7 @@
               <a:t>terminate</a:t>
             </a:r>
             <a:r>
-              <a:rPr lang="ru-RU" altLang="en-US" sz="1600">
+              <a:rPr lang="ru-RU" altLang="en-US" sz="1600" dirty="0">
                 <a:solidFill>
                   <a:schemeClr val="tx1"/>
                 </a:solidFill>
@@ -4146,7 +4102,7 @@
               </a:rPr>
               <a:t>(выход из игры)</a:t>
             </a:r>
-            <a:endParaRPr lang="ru-RU" altLang="en-US" sz="1600">
+            <a:endParaRPr lang="ru-RU" altLang="en-US" sz="1600" dirty="0">
               <a:solidFill>
                 <a:schemeClr val="tx1"/>
               </a:solidFill>
@@ -4156,7 +4112,7 @@
           </a:p>
           <a:p>
             <a:pPr algn="l"/>
-            <a:endParaRPr lang="ru-RU" altLang="en-US" sz="1600">
+            <a:endParaRPr lang="ru-RU" altLang="en-US" sz="1600" dirty="0">
               <a:solidFill>
                 <a:schemeClr val="tx1"/>
               </a:solidFill>
@@ -4211,8 +4167,8 @@
         </p:nvCxnSpPr>
         <p:spPr>
           <a:xfrm flipH="1">
-            <a:off x="5527040" y="3267075"/>
-            <a:ext cx="9525" cy="581025"/>
+            <a:off x="5534526" y="3267075"/>
+            <a:ext cx="2041" cy="354430"/>
           </a:xfrm>
           <a:prstGeom prst="straightConnector1">
             <a:avLst/>
@@ -4407,19 +4363,26 @@
         <p:cNvGrpSpPr/>
         <p:nvPr/>
       </p:nvGrpSpPr>
-      <p:grpSpPr/>
+      <p:grpSpPr>
+        <a:xfrm>
+          <a:off x="0" y="0"/>
+          <a:ext cx="0" cy="0"/>
+          <a:chOff x="0" y="0"/>
+          <a:chExt cx="0" cy="0"/>
+        </a:xfrm>
+      </p:grpSpPr>
       <p:pic>
         <p:nvPicPr>
           <p:cNvPr id="13" name="Рисунок 1"/>
           <p:cNvPicPr>
-            <a:picLocks noChangeAspect="1" noChangeArrowheads="1"/>
+            <a:picLocks noGrp="1" noChangeAspect="1" noChangeArrowheads="1"/>
           </p:cNvPicPr>
           <p:nvPr>
             <p:ph sz="half" idx="1"/>
           </p:nvPr>
         </p:nvPicPr>
         <p:blipFill>
-          <a:blip r:embed="rId1" cstate="print"/>
+          <a:blip r:embed="rId2" cstate="print"/>
           <a:srcRect/>
           <a:stretch>
             <a:fillRect/>
@@ -4446,14 +4409,14 @@
         <p:nvPicPr>
           <p:cNvPr id="19" name="Рисунок 7"/>
           <p:cNvPicPr>
-            <a:picLocks noChangeAspect="1" noChangeArrowheads="1"/>
+            <a:picLocks noGrp="1" noChangeAspect="1" noChangeArrowheads="1"/>
           </p:cNvPicPr>
           <p:nvPr>
             <p:ph sz="half" idx="2"/>
           </p:nvPr>
         </p:nvPicPr>
         <p:blipFill>
-          <a:blip r:embed="rId2" cstate="print"/>
+          <a:blip r:embed="rId3" cstate="print"/>
           <a:srcRect/>
           <a:stretch>
             <a:fillRect/>
@@ -4485,7 +4448,7 @@
           <p:nvPr/>
         </p:nvPicPr>
         <p:blipFill>
-          <a:blip r:embed="rId3" cstate="print"/>
+          <a:blip r:embed="rId4" cstate="print"/>
           <a:srcRect/>
           <a:stretch>
             <a:fillRect/>
@@ -4525,7 +4488,14 @@
         <p:cNvGrpSpPr/>
         <p:nvPr/>
       </p:nvGrpSpPr>
-      <p:grpSpPr/>
+      <p:grpSpPr>
+        <a:xfrm>
+          <a:off x="0" y="0"/>
+          <a:ext cx="0" cy="0"/>
+          <a:chOff x="0" y="0"/>
+          <a:chExt cx="0" cy="0"/>
+        </a:xfrm>
+      </p:grpSpPr>
       <p:sp>
         <p:nvSpPr>
           <p:cNvPr id="2" name="Title 1"/>
@@ -4539,6 +4509,7 @@
         <p:spPr/>
         <p:txBody>
           <a:bodyPr/>
+          <a:lstStyle/>
           <a:p>
             <a:pPr algn="ctr"/>
             <a:r>
@@ -4548,10 +4519,6 @@
               </a:rPr>
               <a:t>Итоги работы</a:t>
             </a:r>
-            <a:endParaRPr lang="ru-RU" sz="2800" b="1">
-              <a:latin typeface="Times New Roman" panose="02020603050405020304" charset="0"/>
-              <a:cs typeface="Times New Roman" panose="02020603050405020304" charset="0"/>
-            </a:endParaRPr>
           </a:p>
         </p:txBody>
       </p:sp>
@@ -4573,6 +4540,7 @@
         </p:spPr>
         <p:txBody>
           <a:bodyPr/>
+          <a:lstStyle/>
           <a:p>
             <a:r>
               <a:rPr lang="ru-RU" altLang="en-US" sz="2000">
@@ -4581,10 +4549,6 @@
               </a:rPr>
               <a:t>Итогами работы стала игра, в которую может поиграть каждый желающий</a:t>
             </a:r>
-            <a:endParaRPr lang="ru-RU" altLang="en-US" sz="2000">
-              <a:latin typeface="Times New Roman" panose="02020603050405020304" charset="0"/>
-              <a:cs typeface="Times New Roman" panose="02020603050405020304" charset="0"/>
-            </a:endParaRPr>
           </a:p>
         </p:txBody>
       </p:sp>
@@ -4847,9 +4811,11 @@
       </a:bgFillStyleLst>
     </a:fmtScheme>
   </a:themeElements>
+  <a:objectDefaults/>
+  <a:extraClrSchemeLst/>
   <a:extLst>
     <a:ext uri="{05A4C25C-085E-4340-85A3-A5531E510DB2}">
-      <thm15:themeFamily xmlns:thm15="http://schemas.microsoft.com/office/thememl/2012/main" name="Office Theme" id="{62F939B6-93AF-4DB8-9C6B-D6C7DFDC589F}" vid="{4A3C46E8-61CC-4603-A589-7422A47A8E4A}"/>
+      <thm15:themeFamily xmlns:thm15="http://schemas.microsoft.com/office/thememl/2012/main" xmlns="" name="Office Theme" id="{62F939B6-93AF-4DB8-9C6B-D6C7DFDC589F}" vid="{4A3C46E8-61CC-4603-A589-7422A47A8E4A}"/>
     </a:ext>
   </a:extLst>
 </a:theme>
